--- a/1.pptx
+++ b/1.pptx
@@ -15,7 +15,6 @@
     <p:sldId id="260" r:id="rId10"/>
     <p:sldId id="261" r:id="rId11"/>
     <p:sldId id="262" r:id="rId12"/>
-    <p:sldId id="263" r:id="rId13"/>
   </p:sldIdLst>
   <p:sldSz cy="5143500" cx="9144000"/>
   <p:notesSz cx="6858000" cy="9144000"/>
@@ -1108,7 +1107,7 @@
       </p:grpSpPr>
       <p:sp>
         <p:nvSpPr>
-          <p:cNvPr id="75" name="Google Shape;75;g12215cba3f5_0_69:notes"/>
+          <p:cNvPr id="75" name="Google Shape;75;g12215cba3f5_0_74:notes"/>
           <p:cNvSpPr/>
           <p:nvPr>
             <p:ph idx="2" type="sldImg"/>
@@ -1143,7 +1142,7 @@
       </p:sp>
       <p:sp>
         <p:nvSpPr>
-          <p:cNvPr id="76" name="Google Shape;76;g12215cba3f5_0_69:notes"/>
+          <p:cNvPr id="76" name="Google Shape;76;g12215cba3f5_0_74:notes"/>
           <p:cNvSpPr txBox="1"/>
           <p:nvPr>
             <p:ph idx="1" type="body"/>
@@ -1207,7 +1206,7 @@
       </p:grpSpPr>
       <p:sp>
         <p:nvSpPr>
-          <p:cNvPr id="81" name="Google Shape;81;g12215cba3f5_0_74:notes"/>
+          <p:cNvPr id="81" name="Google Shape;81;g12215cba3f5_0_81:notes"/>
           <p:cNvSpPr/>
           <p:nvPr>
             <p:ph idx="2" type="sldImg"/>
@@ -1242,7 +1241,7 @@
       </p:sp>
       <p:sp>
         <p:nvSpPr>
-          <p:cNvPr id="82" name="Google Shape;82;g12215cba3f5_0_74:notes"/>
+          <p:cNvPr id="82" name="Google Shape;82;g12215cba3f5_0_81:notes"/>
           <p:cNvSpPr txBox="1"/>
           <p:nvPr>
             <p:ph idx="1" type="body"/>
@@ -1306,7 +1305,7 @@
       </p:grpSpPr>
       <p:sp>
         <p:nvSpPr>
-          <p:cNvPr id="87" name="Google Shape;87;g12215cba3f5_0_81:notes"/>
+          <p:cNvPr id="87" name="Google Shape;87;g12215cba3f5_0_87:notes"/>
           <p:cNvSpPr/>
           <p:nvPr>
             <p:ph idx="2" type="sldImg"/>
@@ -1341,106 +1340,7 @@
       </p:sp>
       <p:sp>
         <p:nvSpPr>
-          <p:cNvPr id="88" name="Google Shape;88;g12215cba3f5_0_81:notes"/>
-          <p:cNvSpPr txBox="1"/>
-          <p:nvPr>
-            <p:ph idx="1" type="body"/>
-          </p:nvPr>
-        </p:nvSpPr>
-        <p:spPr>
-          <a:xfrm>
-            <a:off x="685800" y="4343400"/>
-            <a:ext cx="5486400" cy="4114800"/>
-          </a:xfrm>
-          <a:prstGeom prst="rect">
-            <a:avLst/>
-          </a:prstGeom>
-        </p:spPr>
-        <p:txBody>
-          <a:bodyPr anchorCtr="0" anchor="t" bIns="91425" lIns="91425" spcFirstLastPara="1" rIns="91425" wrap="square" tIns="91425">
-            <a:noAutofit/>
-          </a:bodyPr>
-          <a:lstStyle/>
-          <a:p>
-            <a:pPr indent="0" lvl="0" marL="0" rtl="0" algn="l">
-              <a:spcBef>
-                <a:spcPts val="0"/>
-              </a:spcBef>
-              <a:spcAft>
-                <a:spcPts val="0"/>
-              </a:spcAft>
-              <a:buNone/>
-            </a:pPr>
-            <a:r>
-              <a:t/>
-            </a:r>
-            <a:endParaRPr/>
-          </a:p>
-        </p:txBody>
-      </p:sp>
-    </p:spTree>
-  </p:cSld>
-  <p:clrMapOvr>
-    <a:masterClrMapping/>
-  </p:clrMapOvr>
-</p:notes>
-</file>
-
-<file path=ppt/notesSlides/notesSlide8.xml><?xml version="1.0" encoding="utf-8"?>
-<p:notes xmlns:a="http://schemas.openxmlformats.org/drawingml/2006/main" xmlns:r="http://schemas.openxmlformats.org/officeDocument/2006/relationships" xmlns:mc="http://schemas.openxmlformats.org/markup-compatibility/2006" xmlns:mv="urn:schemas-microsoft-com:mac:vml" xmlns:p="http://schemas.openxmlformats.org/presentationml/2006/main" xmlns:c="http://schemas.openxmlformats.org/drawingml/2006/chart" xmlns:dgm="http://schemas.openxmlformats.org/drawingml/2006/diagram" xmlns:o="urn:schemas-microsoft-com:office:office" xmlns:v="urn:schemas-microsoft-com:vml" xmlns:pvml="urn:schemas-microsoft-com:office:powerpoint" xmlns:com="http://schemas.openxmlformats.org/drawingml/2006/compatibility" xmlns:p14="http://schemas.microsoft.com/office/powerpoint/2010/main" xmlns:p15="http://schemas.microsoft.com/office/powerpoint/2012/main" xmlns:ahyp="http://schemas.microsoft.com/office/drawing/2018/hyperlinkcolor" showMasterPhAnim="0" showMasterSp="0">
-  <p:cSld>
-    <p:spTree>
-      <p:nvGrpSpPr>
-        <p:cNvPr id="92" name="Shape 92"/>
-        <p:cNvGrpSpPr/>
-        <p:nvPr/>
-      </p:nvGrpSpPr>
-      <p:grpSpPr>
-        <a:xfrm>
-          <a:off x="0" y="0"/>
-          <a:ext cx="0" cy="0"/>
-          <a:chOff x="0" y="0"/>
-          <a:chExt cx="0" cy="0"/>
-        </a:xfrm>
-      </p:grpSpPr>
-      <p:sp>
-        <p:nvSpPr>
-          <p:cNvPr id="93" name="Google Shape;93;g12215cba3f5_0_87:notes"/>
-          <p:cNvSpPr/>
-          <p:nvPr>
-            <p:ph idx="2" type="sldImg"/>
-          </p:nvPr>
-        </p:nvSpPr>
-        <p:spPr>
-          <a:xfrm>
-            <a:off x="381300" y="685800"/>
-            <a:ext cx="6096000" cy="3429000"/>
-          </a:xfrm>
-          <a:custGeom>
-            <a:rect b="b" l="l" r="r" t="t"/>
-            <a:pathLst>
-              <a:path extrusionOk="0" h="120000" w="120000">
-                <a:moveTo>
-                  <a:pt x="0" y="0"/>
-                </a:moveTo>
-                <a:lnTo>
-                  <a:pt x="120000" y="0"/>
-                </a:lnTo>
-                <a:lnTo>
-                  <a:pt x="120000" y="120000"/>
-                </a:lnTo>
-                <a:lnTo>
-                  <a:pt x="0" y="120000"/>
-                </a:lnTo>
-                <a:close/>
-              </a:path>
-            </a:pathLst>
-          </a:custGeom>
-        </p:spPr>
-      </p:sp>
-      <p:sp>
-        <p:nvSpPr>
-          <p:cNvPr id="94" name="Google Shape;94;g12215cba3f5_0_87:notes"/>
+          <p:cNvPr id="88" name="Google Shape;88;g12215cba3f5_0_87:notes"/>
           <p:cNvSpPr txBox="1"/>
           <p:nvPr>
             <p:ph idx="1" type="body"/>
@@ -6631,7 +6531,7 @@
             </a:r>
             <a:r>
               <a:rPr lang="ru"/>
-              <a:t>flask_login, flask_wtf, wtforms,</a:t>
+              <a:t>flask_login, flask_wtf, wtforms</a:t>
             </a:r>
             <a:endParaRPr/>
           </a:p>
@@ -6647,7 +6547,7 @@
             </a:pPr>
             <a:r>
               <a:rPr lang="ru"/>
-              <a:t>bootstrap 4</a:t>
+              <a:t>Фреймворки: bootstrap 4</a:t>
             </a:r>
             <a:endParaRPr/>
           </a:p>
@@ -6708,31 +6608,11 @@
               <a:spcAft>
                 <a:spcPts val="0"/>
               </a:spcAft>
-              <a:buClr>
-                <a:srgbClr val="000000"/>
-              </a:buClr>
-              <a:buSzPct val="111111"/>
-              <a:buFont typeface="Arial"/>
               <a:buNone/>
             </a:pPr>
             <a:r>
               <a:rPr lang="ru"/>
-              <a:t>Описание реализации(структура)</a:t>
-            </a:r>
-            <a:endParaRPr/>
-          </a:p>
-          <a:p>
-            <a:pPr indent="0" lvl="0" marL="0" rtl="0" algn="l">
-              <a:spcBef>
-                <a:spcPts val="0"/>
-              </a:spcBef>
-              <a:spcAft>
-                <a:spcPts val="0"/>
-              </a:spcAft>
-              <a:buNone/>
-            </a:pPr>
-            <a:r>
-              <a:t/>
+              <a:t>База данных</a:t>
             </a:r>
             <a:endParaRPr/>
           </a:p>
@@ -6757,40 +6637,148 @@
         </p:spPr>
         <p:txBody>
           <a:bodyPr anchorCtr="0" anchor="t" bIns="91425" lIns="91425" spcFirstLastPara="1" rIns="91425" wrap="square" tIns="91425">
-            <a:normAutofit/>
+            <a:normAutofit fontScale="55000" lnSpcReduction="20000"/>
           </a:bodyPr>
           <a:lstStyle/>
           <a:p>
-            <a:pPr indent="-342900" lvl="0" marL="457200" rtl="0" algn="l">
-              <a:spcBef>
-                <a:spcPts val="0"/>
-              </a:spcBef>
-              <a:spcAft>
-                <a:spcPts val="0"/>
-              </a:spcAft>
-              <a:buSzPts val="1800"/>
-              <a:buAutoNum type="arabicPeriod"/>
+            <a:pPr indent="0" lvl="0" marL="0" rtl="0" algn="l">
+              <a:spcBef>
+                <a:spcPts val="0"/>
+              </a:spcBef>
+              <a:spcAft>
+                <a:spcPts val="0"/>
+              </a:spcAft>
+              <a:buNone/>
             </a:pPr>
             <a:r>
-              <a:rPr lang="ru"/>
-              <a:t>6 классов форм</a:t>
+              <a:rPr lang="ru" sz="2966"/>
+              <a:t>В базе данных 6 таблиц: delivery, desks, foods, orders, users, vacancy</a:t>
+            </a:r>
+            <a:endParaRPr sz="2966"/>
+          </a:p>
+          <a:p>
+            <a:pPr indent="0" lvl="0" marL="0" rtl="0" algn="l">
+              <a:spcBef>
+                <a:spcPts val="1200"/>
+              </a:spcBef>
+              <a:spcAft>
+                <a:spcPts val="0"/>
+              </a:spcAft>
+              <a:buNone/>
+            </a:pPr>
+            <a:r>
+              <a:rPr lang="ru" sz="2760"/>
+              <a:t>users - хранение пользователей</a:t>
+            </a:r>
+            <a:endParaRPr sz="2760"/>
+          </a:p>
+          <a:p>
+            <a:pPr indent="0" lvl="0" marL="0" rtl="0" algn="l">
+              <a:spcBef>
+                <a:spcPts val="1200"/>
+              </a:spcBef>
+              <a:spcAft>
+                <a:spcPts val="0"/>
+              </a:spcAft>
+              <a:buNone/>
+            </a:pPr>
+            <a:r>
+              <a:rPr lang="ru" sz="2760"/>
+              <a:t>foods - хранение товаров</a:t>
+            </a:r>
+            <a:endParaRPr sz="2760"/>
+          </a:p>
+          <a:p>
+            <a:pPr indent="0" lvl="0" marL="0" rtl="0" algn="l">
+              <a:spcBef>
+                <a:spcPts val="1200"/>
+              </a:spcBef>
+              <a:spcAft>
+                <a:spcPts val="0"/>
+              </a:spcAft>
+              <a:buNone/>
+            </a:pPr>
+            <a:r>
+              <a:rPr lang="ru" sz="2760"/>
+              <a:t>vacancy - хранение вакансий</a:t>
+            </a:r>
+            <a:endParaRPr sz="2760"/>
+          </a:p>
+          <a:p>
+            <a:pPr indent="0" lvl="0" marL="0" rtl="0" algn="l">
+              <a:spcBef>
+                <a:spcPts val="1200"/>
+              </a:spcBef>
+              <a:spcAft>
+                <a:spcPts val="0"/>
+              </a:spcAft>
+              <a:buNone/>
+            </a:pPr>
+            <a:r>
+              <a:rPr lang="ru" sz="2760"/>
+              <a:t>desks - хранение столов</a:t>
+            </a:r>
+            <a:endParaRPr sz="2760"/>
+          </a:p>
+          <a:p>
+            <a:pPr indent="0" lvl="0" marL="0" rtl="0" algn="l">
+              <a:spcBef>
+                <a:spcPts val="1200"/>
+              </a:spcBef>
+              <a:spcAft>
+                <a:spcPts val="0"/>
+              </a:spcAft>
+              <a:buNone/>
+            </a:pPr>
+            <a:r>
+              <a:rPr lang="ru" sz="2760"/>
+              <a:t>orders - хранение корзины</a:t>
+            </a:r>
+            <a:endParaRPr sz="2760"/>
+          </a:p>
+          <a:p>
+            <a:pPr indent="0" lvl="0" marL="0" rtl="0" algn="l">
+              <a:spcBef>
+                <a:spcPts val="1200"/>
+              </a:spcBef>
+              <a:spcAft>
+                <a:spcPts val="0"/>
+              </a:spcAft>
+              <a:buNone/>
+            </a:pPr>
+            <a:r>
+              <a:rPr lang="ru" sz="2760"/>
+              <a:t>delivery - хранение заказов</a:t>
+            </a:r>
+            <a:endParaRPr sz="2760"/>
+          </a:p>
+          <a:p>
+            <a:pPr indent="0" lvl="0" marL="0" rtl="0" algn="l">
+              <a:spcBef>
+                <a:spcPts val="1200"/>
+              </a:spcBef>
+              <a:spcAft>
+                <a:spcPts val="0"/>
+              </a:spcAft>
+              <a:buNone/>
+            </a:pPr>
+            <a:r>
+              <a:t/>
             </a:r>
             <a:endParaRPr/>
           </a:p>
           <a:p>
-            <a:pPr indent="-342900" lvl="0" marL="457200" rtl="0" algn="l">
-              <a:spcBef>
-                <a:spcPts val="0"/>
-              </a:spcBef>
-              <a:spcAft>
-                <a:spcPts val="0"/>
-              </a:spcAft>
-              <a:buSzPts val="1800"/>
-              <a:buAutoNum type="arabicPeriod"/>
+            <a:pPr indent="0" lvl="0" marL="0" rtl="0" algn="l">
+              <a:spcBef>
+                <a:spcPts val="1200"/>
+              </a:spcBef>
+              <a:spcAft>
+                <a:spcPts val="1200"/>
+              </a:spcAft>
+              <a:buNone/>
             </a:pPr>
             <a:r>
-              <a:rPr lang="ru"/>
-              <a:t>6 классов для таблиц в базе данных</a:t>
+              <a:t/>
             </a:r>
             <a:endParaRPr/>
           </a:p>
@@ -6855,7 +6843,7 @@
             </a:pPr>
             <a:r>
               <a:rPr lang="ru"/>
-              <a:t>База данных</a:t>
+              <a:t>Функции</a:t>
             </a:r>
             <a:endParaRPr/>
           </a:p>
@@ -6880,148 +6868,91 @@
         </p:spPr>
         <p:txBody>
           <a:bodyPr anchorCtr="0" anchor="t" bIns="91425" lIns="91425" spcFirstLastPara="1" rIns="91425" wrap="square" tIns="91425">
-            <a:normAutofit fontScale="55000" lnSpcReduction="20000"/>
+            <a:normAutofit/>
           </a:bodyPr>
           <a:lstStyle/>
           <a:p>
-            <a:pPr indent="0" lvl="0" marL="0" rtl="0" algn="l">
-              <a:spcBef>
-                <a:spcPts val="0"/>
-              </a:spcBef>
-              <a:spcAft>
-                <a:spcPts val="0"/>
-              </a:spcAft>
-              <a:buNone/>
+            <a:pPr indent="-342900" lvl="0" marL="457200" rtl="0" algn="l">
+              <a:spcBef>
+                <a:spcPts val="0"/>
+              </a:spcBef>
+              <a:spcAft>
+                <a:spcPts val="0"/>
+              </a:spcAft>
+              <a:buSzPts val="1800"/>
+              <a:buAutoNum type="arabicPeriod"/>
             </a:pPr>
             <a:r>
-              <a:rPr lang="ru" sz="2966"/>
-              <a:t>В базе данных 6 таблиц: delivery, desks, foods, orders, users, vacancy</a:t>
-            </a:r>
-            <a:endParaRPr sz="2966"/>
-          </a:p>
-          <a:p>
-            <a:pPr indent="0" lvl="0" marL="0" rtl="0" algn="l">
-              <a:spcBef>
-                <a:spcPts val="1200"/>
-              </a:spcBef>
-              <a:spcAft>
-                <a:spcPts val="0"/>
-              </a:spcAft>
-              <a:buNone/>
-            </a:pPr>
-            <a:r>
-              <a:rPr lang="ru" sz="2760"/>
-              <a:t>users - хранение пользователей</a:t>
-            </a:r>
-            <a:endParaRPr sz="2760"/>
-          </a:p>
-          <a:p>
-            <a:pPr indent="0" lvl="0" marL="0" rtl="0" algn="l">
-              <a:spcBef>
-                <a:spcPts val="1200"/>
-              </a:spcBef>
-              <a:spcAft>
-                <a:spcPts val="0"/>
-              </a:spcAft>
-              <a:buNone/>
-            </a:pPr>
-            <a:r>
-              <a:rPr lang="ru" sz="2760"/>
-              <a:t>foods - хранение еды</a:t>
-            </a:r>
-            <a:endParaRPr sz="2760"/>
-          </a:p>
-          <a:p>
-            <a:pPr indent="0" lvl="0" marL="0" rtl="0" algn="l">
-              <a:spcBef>
-                <a:spcPts val="1200"/>
-              </a:spcBef>
-              <a:spcAft>
-                <a:spcPts val="0"/>
-              </a:spcAft>
-              <a:buNone/>
-            </a:pPr>
-            <a:r>
-              <a:rPr lang="ru" sz="2760"/>
-              <a:t>vacancy - хранение вакансий</a:t>
-            </a:r>
-            <a:endParaRPr sz="2760"/>
-          </a:p>
-          <a:p>
-            <a:pPr indent="0" lvl="0" marL="0" rtl="0" algn="l">
-              <a:spcBef>
-                <a:spcPts val="1200"/>
-              </a:spcBef>
-              <a:spcAft>
-                <a:spcPts val="0"/>
-              </a:spcAft>
-              <a:buNone/>
-            </a:pPr>
-            <a:r>
-              <a:rPr lang="ru" sz="2760"/>
-              <a:t>desks - хранение столов</a:t>
-            </a:r>
-            <a:endParaRPr sz="2760"/>
-          </a:p>
-          <a:p>
-            <a:pPr indent="0" lvl="0" marL="0" rtl="0" algn="l">
-              <a:spcBef>
-                <a:spcPts val="1200"/>
-              </a:spcBef>
-              <a:spcAft>
-                <a:spcPts val="0"/>
-              </a:spcAft>
-              <a:buNone/>
-            </a:pPr>
-            <a:r>
-              <a:rPr lang="ru" sz="2760"/>
-              <a:t>orders - хранение корзины</a:t>
-            </a:r>
-            <a:endParaRPr sz="2760"/>
-          </a:p>
-          <a:p>
-            <a:pPr indent="0" lvl="0" marL="0" rtl="0" algn="l">
-              <a:spcBef>
-                <a:spcPts val="1200"/>
-              </a:spcBef>
-              <a:spcAft>
-                <a:spcPts val="0"/>
-              </a:spcAft>
-              <a:buNone/>
-            </a:pPr>
-            <a:r>
-              <a:rPr lang="ru" sz="2760"/>
-              <a:t>delivery - хранение заказов</a:t>
-            </a:r>
-            <a:endParaRPr sz="2760"/>
-          </a:p>
-          <a:p>
-            <a:pPr indent="0" lvl="0" marL="0" rtl="0" algn="l">
-              <a:spcBef>
-                <a:spcPts val="1200"/>
-              </a:spcBef>
-              <a:spcAft>
-                <a:spcPts val="0"/>
-              </a:spcAft>
-              <a:buNone/>
-            </a:pPr>
-            <a:r>
-              <a:t/>
+              <a:rPr lang="ru"/>
+              <a:t>Регистрация и авторизация пользователей</a:t>
             </a:r>
             <a:endParaRPr/>
           </a:p>
           <a:p>
-            <a:pPr indent="0" lvl="0" marL="0" rtl="0" algn="l">
-              <a:spcBef>
-                <a:spcPts val="1200"/>
-              </a:spcBef>
-              <a:spcAft>
-                <a:spcPts val="1200"/>
-              </a:spcAft>
-              <a:buNone/>
+            <a:pPr indent="-342900" lvl="0" marL="457200" rtl="0" algn="l">
+              <a:spcBef>
+                <a:spcPts val="0"/>
+              </a:spcBef>
+              <a:spcAft>
+                <a:spcPts val="0"/>
+              </a:spcAft>
+              <a:buSzPts val="1800"/>
+              <a:buAutoNum type="arabicPeriod"/>
             </a:pPr>
             <a:r>
-              <a:t/>
+              <a:rPr lang="ru"/>
+              <a:t>Добавление вакансий</a:t>
+            </a:r>
+            <a:endParaRPr/>
+          </a:p>
+          <a:p>
+            <a:pPr indent="-342900" lvl="0" marL="457200" rtl="0" algn="l">
+              <a:spcBef>
+                <a:spcPts val="0"/>
+              </a:spcBef>
+              <a:spcAft>
+                <a:spcPts val="0"/>
+              </a:spcAft>
+              <a:buSzPts val="1800"/>
+              <a:buAutoNum type="arabicPeriod"/>
+            </a:pPr>
+            <a:r>
+              <a:rPr lang="ru"/>
+              <a:t>Добавление товаров</a:t>
+            </a:r>
+            <a:endParaRPr/>
+          </a:p>
+          <a:p>
+            <a:pPr indent="-342900" lvl="0" marL="457200" rtl="0" algn="l">
+              <a:spcBef>
+                <a:spcPts val="0"/>
+              </a:spcBef>
+              <a:spcAft>
+                <a:spcPts val="0"/>
+              </a:spcAft>
+              <a:buSzPts val="1800"/>
+              <a:buAutoNum type="arabicPeriod"/>
+            </a:pPr>
+            <a:r>
+              <a:rPr lang="ru"/>
+              <a:t>Добавление в корзину</a:t>
+            </a:r>
+            <a:endParaRPr/>
+          </a:p>
+          <a:p>
+            <a:pPr indent="-342900" lvl="0" marL="457200" rtl="0" algn="l">
+              <a:spcBef>
+                <a:spcPts val="0"/>
+              </a:spcBef>
+              <a:spcAft>
+                <a:spcPts val="0"/>
+              </a:spcAft>
+              <a:buSzPts val="1800"/>
+              <a:buAutoNum type="arabicPeriod"/>
+            </a:pPr>
+            <a:r>
+              <a:rPr lang="ru"/>
+              <a:t>Оформление заказа</a:t>
             </a:r>
             <a:endParaRPr/>
           </a:p>
@@ -7086,7 +7017,7 @@
             </a:pPr>
             <a:r>
               <a:rPr lang="ru"/>
-              <a:t>Функции</a:t>
+              <a:t>Заключение</a:t>
             </a:r>
             <a:endParaRPr/>
           </a:p>
@@ -7095,180 +7026,6 @@
       <p:sp>
         <p:nvSpPr>
           <p:cNvPr id="91" name="Google Shape;91;p19"/>
-          <p:cNvSpPr txBox="1"/>
-          <p:nvPr>
-            <p:ph idx="1" type="body"/>
-          </p:nvPr>
-        </p:nvSpPr>
-        <p:spPr>
-          <a:xfrm>
-            <a:off x="311700" y="1152475"/>
-            <a:ext cx="8520600" cy="3416400"/>
-          </a:xfrm>
-          <a:prstGeom prst="rect">
-            <a:avLst/>
-          </a:prstGeom>
-        </p:spPr>
-        <p:txBody>
-          <a:bodyPr anchorCtr="0" anchor="t" bIns="91425" lIns="91425" spcFirstLastPara="1" rIns="91425" wrap="square" tIns="91425">
-            <a:normAutofit/>
-          </a:bodyPr>
-          <a:lstStyle/>
-          <a:p>
-            <a:pPr indent="-342900" lvl="0" marL="457200" rtl="0" algn="l">
-              <a:spcBef>
-                <a:spcPts val="0"/>
-              </a:spcBef>
-              <a:spcAft>
-                <a:spcPts val="0"/>
-              </a:spcAft>
-              <a:buSzPts val="1800"/>
-              <a:buAutoNum type="arabicPeriod"/>
-            </a:pPr>
-            <a:r>
-              <a:rPr lang="ru"/>
-              <a:t>Регистрация и авторизация пользователей</a:t>
-            </a:r>
-            <a:endParaRPr/>
-          </a:p>
-          <a:p>
-            <a:pPr indent="-342900" lvl="0" marL="457200" rtl="0" algn="l">
-              <a:spcBef>
-                <a:spcPts val="0"/>
-              </a:spcBef>
-              <a:spcAft>
-                <a:spcPts val="0"/>
-              </a:spcAft>
-              <a:buSzPts val="1800"/>
-              <a:buAutoNum type="arabicPeriod"/>
-            </a:pPr>
-            <a:r>
-              <a:rPr lang="ru"/>
-              <a:t>Добавление вакансий</a:t>
-            </a:r>
-            <a:endParaRPr/>
-          </a:p>
-          <a:p>
-            <a:pPr indent="-342900" lvl="0" marL="457200" rtl="0" algn="l">
-              <a:spcBef>
-                <a:spcPts val="0"/>
-              </a:spcBef>
-              <a:spcAft>
-                <a:spcPts val="0"/>
-              </a:spcAft>
-              <a:buSzPts val="1800"/>
-              <a:buAutoNum type="arabicPeriod"/>
-            </a:pPr>
-            <a:r>
-              <a:rPr lang="ru"/>
-              <a:t>Добавление еды</a:t>
-            </a:r>
-            <a:endParaRPr/>
-          </a:p>
-          <a:p>
-            <a:pPr indent="-342900" lvl="0" marL="457200" rtl="0" algn="l">
-              <a:spcBef>
-                <a:spcPts val="0"/>
-              </a:spcBef>
-              <a:spcAft>
-                <a:spcPts val="0"/>
-              </a:spcAft>
-              <a:buSzPts val="1800"/>
-              <a:buAutoNum type="arabicPeriod"/>
-            </a:pPr>
-            <a:r>
-              <a:rPr lang="ru"/>
-              <a:t>Добавление в корзину</a:t>
-            </a:r>
-            <a:endParaRPr/>
-          </a:p>
-          <a:p>
-            <a:pPr indent="-342900" lvl="0" marL="457200" rtl="0" algn="l">
-              <a:spcBef>
-                <a:spcPts val="0"/>
-              </a:spcBef>
-              <a:spcAft>
-                <a:spcPts val="0"/>
-              </a:spcAft>
-              <a:buSzPts val="1800"/>
-              <a:buAutoNum type="arabicPeriod"/>
-            </a:pPr>
-            <a:r>
-              <a:rPr lang="ru"/>
-              <a:t>Оформление заказа</a:t>
-            </a:r>
-            <a:endParaRPr/>
-          </a:p>
-        </p:txBody>
-      </p:sp>
-    </p:spTree>
-  </p:cSld>
-  <p:clrMapOvr>
-    <a:masterClrMapping/>
-  </p:clrMapOvr>
-</p:sld>
-</file>
-
-<file path=ppt/slides/slide8.xml><?xml version="1.0" encoding="utf-8"?>
-<p:sld xmlns:a="http://schemas.openxmlformats.org/drawingml/2006/main" xmlns:r="http://schemas.openxmlformats.org/officeDocument/2006/relationships" xmlns:mc="http://schemas.openxmlformats.org/markup-compatibility/2006" xmlns:mv="urn:schemas-microsoft-com:mac:vml" xmlns:p="http://schemas.openxmlformats.org/presentationml/2006/main" xmlns:c="http://schemas.openxmlformats.org/drawingml/2006/chart" xmlns:dgm="http://schemas.openxmlformats.org/drawingml/2006/diagram" xmlns:o="urn:schemas-microsoft-com:office:office" xmlns:v="urn:schemas-microsoft-com:vml" xmlns:pvml="urn:schemas-microsoft-com:office:powerpoint" xmlns:com="http://schemas.openxmlformats.org/drawingml/2006/compatibility" xmlns:p14="http://schemas.microsoft.com/office/powerpoint/2010/main" xmlns:p15="http://schemas.microsoft.com/office/powerpoint/2012/main" xmlns:ahyp="http://schemas.microsoft.com/office/drawing/2018/hyperlinkcolor">
-  <p:cSld>
-    <p:spTree>
-      <p:nvGrpSpPr>
-        <p:cNvPr id="95" name="Shape 95"/>
-        <p:cNvGrpSpPr/>
-        <p:nvPr/>
-      </p:nvGrpSpPr>
-      <p:grpSpPr>
-        <a:xfrm>
-          <a:off x="0" y="0"/>
-          <a:ext cx="0" cy="0"/>
-          <a:chOff x="0" y="0"/>
-          <a:chExt cx="0" cy="0"/>
-        </a:xfrm>
-      </p:grpSpPr>
-      <p:sp>
-        <p:nvSpPr>
-          <p:cNvPr id="96" name="Google Shape;96;p20"/>
-          <p:cNvSpPr txBox="1"/>
-          <p:nvPr>
-            <p:ph type="title"/>
-          </p:nvPr>
-        </p:nvSpPr>
-        <p:spPr>
-          <a:xfrm>
-            <a:off x="311700" y="445025"/>
-            <a:ext cx="8520600" cy="572700"/>
-          </a:xfrm>
-          <a:prstGeom prst="rect">
-            <a:avLst/>
-          </a:prstGeom>
-        </p:spPr>
-        <p:txBody>
-          <a:bodyPr anchorCtr="0" anchor="t" bIns="91425" lIns="91425" spcFirstLastPara="1" rIns="91425" wrap="square" tIns="91425">
-            <a:normAutofit fontScale="90000"/>
-          </a:bodyPr>
-          <a:lstStyle/>
-          <a:p>
-            <a:pPr indent="0" lvl="0" marL="0" rtl="0" algn="ctr">
-              <a:spcBef>
-                <a:spcPts val="0"/>
-              </a:spcBef>
-              <a:spcAft>
-                <a:spcPts val="0"/>
-              </a:spcAft>
-              <a:buNone/>
-            </a:pPr>
-            <a:r>
-              <a:rPr lang="ru"/>
-              <a:t>Заключение</a:t>
-            </a:r>
-            <a:endParaRPr/>
-          </a:p>
-        </p:txBody>
-      </p:sp>
-      <p:sp>
-        <p:nvSpPr>
-          <p:cNvPr id="97" name="Google Shape;97;p20"/>
           <p:cNvSpPr txBox="1"/>
           <p:nvPr>
             <p:ph idx="1" type="body"/>
